--- a/AAI3001_Poster.pptx
+++ b/AAI3001_Poster.pptx
@@ -12175,7 +12175,7 @@
           <p:nvPr>
             <p:extLst>
               <p:ext uri="{D42A27DB-BD31-4B8C-83A1-F6EECF244321}">
-                <p14:modId xmlns:p14="http://schemas.microsoft.com/office/powerpoint/2010/main" val="1505218936"/>
+                <p14:modId xmlns:p14="http://schemas.microsoft.com/office/powerpoint/2010/main" val="503895201"/>
               </p:ext>
             </p:extLst>
           </p:nvPr>
@@ -12221,7 +12221,18 @@
                         </a:rPr>
                         <a:t>Background</a:t>
                       </a:r>
-                      <a:endParaRPr lang="en-IN" sz="3400" b="1" dirty="0">
+                    </a:p>
+                    <a:p>
+                      <a:pPr algn="ctr"/>
+                      <a:r>
+                        <a:rPr lang="en-US" sz="3400" b="0" dirty="0">
+                          <a:solidFill>
+                            <a:schemeClr val="tx1"/>
+                          </a:solidFill>
+                        </a:rPr>
+                        <a:t>There is a very diverse group of marine wildlife on earth. However, monitoring and classifying the species of wildlife be it on land or in the water poses a significant challenge due to the limited light and or complex background. Advancement in computer vision and deep learning can help in classifying marine wildlife, offering valuable information when it comes to ecological studies and conservation.</a:t>
+                      </a:r>
+                      <a:endParaRPr lang="en-IN" sz="3400" b="0" dirty="0">
                         <a:solidFill>
                           <a:schemeClr val="tx1"/>
                         </a:solidFill>
@@ -12269,6 +12280,23 @@
                       </a:endParaRPr>
                     </a:p>
                     <a:p>
+                      <a:pPr algn="ctr"/>
+                      <a:r>
+                        <a:rPr lang="en-IN" sz="3400" dirty="0">
+                          <a:solidFill>
+                            <a:schemeClr val="tx1"/>
+                          </a:solidFill>
+                        </a:rPr>
+                        <a:t>The objective of this project is to use the You Only Look Once (YOLO) model to classify marine wildlife which can help in facilitating </a:t>
+                      </a:r>
+                      <a:r>
+                        <a:rPr lang="en-US" sz="3400" b="0" dirty="0">
+                          <a:solidFill>
+                            <a:schemeClr val="tx1"/>
+                          </a:solidFill>
+                        </a:rPr>
+                        <a:t>ecological studies and conservation</a:t>
+                      </a:r>
                       <a:endParaRPr lang="en-IN" sz="3400" dirty="0">
                         <a:solidFill>
                           <a:schemeClr val="tx1"/>
@@ -12299,7 +12327,18 @@
                         </a:rPr>
                         <a:t>Methodology/Proposed Approach</a:t>
                       </a:r>
-                      <a:endParaRPr lang="en-IN" sz="3400" dirty="0">
+                    </a:p>
+                    <a:p>
+                      <a:pPr algn="ctr"/>
+                      <a:r>
+                        <a:rPr lang="en-US" sz="3400" b="0" dirty="0">
+                          <a:solidFill>
+                            <a:schemeClr val="tx1"/>
+                          </a:solidFill>
+                        </a:rPr>
+                        <a:t>The methodology of this project involves first gathering a dataset of marine creatures which ideally are pre labelled that showcases features of the respective species of marine wildlife. This dataset will then be used to train the YOLO model after which the model will be evaluated on a test set for accuracy, precision and recall.</a:t>
+                      </a:r>
+                      <a:endParaRPr lang="en-IN" sz="3400" b="0" dirty="0">
                         <a:solidFill>
                           <a:schemeClr val="tx1"/>
                         </a:solidFill>
@@ -12347,11 +12386,15 @@
                       </a:endParaRPr>
                     </a:p>
                     <a:p>
-                      <a:endParaRPr lang="en-IN" sz="3400" dirty="0">
-                        <a:solidFill>
-                          <a:schemeClr val="tx1"/>
-                        </a:solidFill>
-                      </a:endParaRPr>
+                      <a:pPr algn="ctr"/>
+                      <a:r>
+                        <a:rPr lang="en-IN" sz="3400" dirty="0">
+                          <a:solidFill>
+                            <a:schemeClr val="tx1"/>
+                          </a:solidFill>
+                        </a:rPr>
+                        <a:t>After training the model for 100 epochs, the model can achieve a high accuracy rate when it comes to classifying the sea creatures. However, there are still some sea creatures are misclassified or missing a classification completely. This shows the potential that the YOLO model have in successfully classifying objects such as sea creates as well as bringing up lacking areas of the model.</a:t>
+                      </a:r>
                     </a:p>
                   </a:txBody>
                   <a:tcPr/>
@@ -12403,11 +12446,14 @@
                     </a:p>
                     <a:p>
                       <a:pPr algn="ctr"/>
-                      <a:endParaRPr lang="en-IN" sz="3400" dirty="0">
-                        <a:solidFill>
-                          <a:schemeClr val="tx1"/>
-                        </a:solidFill>
-                      </a:endParaRPr>
+                      <a:r>
+                        <a:rPr lang="en-IN" sz="3400" dirty="0">
+                          <a:solidFill>
+                            <a:schemeClr val="tx1"/>
+                          </a:solidFill>
+                        </a:rPr>
+                        <a:t>In conclusion, the YOLO model has shown itself to be a promising tool for detecting marine wildlife, being able to quite accurately classify the sea creatures despite there being low light or complex background. </a:t>
+                      </a:r>
                     </a:p>
                   </a:txBody>
                   <a:tcPr/>
@@ -13087,16 +13133,12 @@
 </file>
 
 <file path=customXml/item1.xml><?xml version="1.0" encoding="utf-8"?>
-<p:properties xmlns:p="http://schemas.microsoft.com/office/2006/metadata/properties" xmlns:xsi="http://www.w3.org/2001/XMLSchema-instance" xmlns:pc="http://schemas.microsoft.com/office/infopath/2007/PartnerControls">
-  <documentManagement>
-    <Tag xmlns="db8ab122-4640-4c34-b39a-82230fff58ad" xsi:nil="true"/>
-    <Description0 xmlns="db8ab122-4640-4c34-b39a-82230fff58ad" xsi:nil="true"/>
-    <TaxCatchAll xmlns="4b2ee772-610b-4608-83fe-2d971c0d96a3" xsi:nil="true"/>
-    <lcf76f155ced4ddcb4097134ff3c332f xmlns="db8ab122-4640-4c34-b39a-82230fff58ad">
-      <Terms xmlns="http://schemas.microsoft.com/office/infopath/2007/PartnerControls"/>
-    </lcf76f155ced4ddcb4097134ff3c332f>
-  </documentManagement>
-</p:properties>
+<?mso-contentType ?>
+<FormTemplates xmlns="http://schemas.microsoft.com/sharepoint/v3/contenttype/forms">
+  <Display>DocumentLibraryForm</Display>
+  <Edit>DocumentLibraryForm</Edit>
+  <New>DocumentLibraryForm</New>
+</FormTemplates>
 </file>
 
 <file path=customXml/item2.xml><?xml version="1.0" encoding="utf-8"?>
@@ -13350,28 +13392,22 @@
 </file>
 
 <file path=customXml/item3.xml><?xml version="1.0" encoding="utf-8"?>
-<?mso-contentType ?>
-<FormTemplates xmlns="http://schemas.microsoft.com/sharepoint/v3/contenttype/forms">
-  <Display>DocumentLibraryForm</Display>
-  <Edit>DocumentLibraryForm</Edit>
-  <New>DocumentLibraryForm</New>
-</FormTemplates>
+<p:properties xmlns:p="http://schemas.microsoft.com/office/2006/metadata/properties" xmlns:xsi="http://www.w3.org/2001/XMLSchema-instance" xmlns:pc="http://schemas.microsoft.com/office/infopath/2007/PartnerControls">
+  <documentManagement>
+    <Tag xmlns="db8ab122-4640-4c34-b39a-82230fff58ad" xsi:nil="true"/>
+    <Description0 xmlns="db8ab122-4640-4c34-b39a-82230fff58ad" xsi:nil="true"/>
+    <TaxCatchAll xmlns="4b2ee772-610b-4608-83fe-2d971c0d96a3" xsi:nil="true"/>
+    <lcf76f155ced4ddcb4097134ff3c332f xmlns="db8ab122-4640-4c34-b39a-82230fff58ad">
+      <Terms xmlns="http://schemas.microsoft.com/office/infopath/2007/PartnerControls"/>
+    </lcf76f155ced4ddcb4097134ff3c332f>
+  </documentManagement>
+</p:properties>
 </file>
 
 <file path=customXml/itemProps1.xml><?xml version="1.0" encoding="utf-8"?>
-<ds:datastoreItem xmlns:ds="http://schemas.openxmlformats.org/officeDocument/2006/customXml" ds:itemID="{2CAFA615-85C9-4597-A423-DBC36A7566E4}">
+<ds:datastoreItem xmlns:ds="http://schemas.openxmlformats.org/officeDocument/2006/customXml" ds:itemID="{6466DE5B-C9EE-4962-A7D9-DC605DF63B29}">
   <ds:schemaRefs>
-    <ds:schemaRef ds:uri="4b2ee772-610b-4608-83fe-2d971c0d96a3"/>
-    <ds:schemaRef ds:uri="db8ab122-4640-4c34-b39a-82230fff58ad"/>
-    <ds:schemaRef ds:uri="f3a3a796-c958-4844-91fb-5d8351522e3b"/>
-    <ds:schemaRef ds:uri="http://purl.org/dc/dcmitype/"/>
-    <ds:schemaRef ds:uri="http://purl.org/dc/elements/1.1/"/>
-    <ds:schemaRef ds:uri="http://purl.org/dc/terms/"/>
-    <ds:schemaRef ds:uri="http://schemas.microsoft.com/office/2006/documentManagement/types"/>
-    <ds:schemaRef ds:uri="http://schemas.microsoft.com/office/2006/metadata/properties"/>
-    <ds:schemaRef ds:uri="http://schemas.microsoft.com/office/infopath/2007/PartnerControls"/>
-    <ds:schemaRef ds:uri="http://schemas.openxmlformats.org/package/2006/metadata/core-properties"/>
-    <ds:schemaRef ds:uri="http://www.w3.org/XML/1998/namespace"/>
+    <ds:schemaRef ds:uri="http://schemas.microsoft.com/sharepoint/v3/contenttype/forms"/>
   </ds:schemaRefs>
 </ds:datastoreItem>
 </file>
@@ -13397,9 +13433,19 @@
 </file>
 
 <file path=customXml/itemProps3.xml><?xml version="1.0" encoding="utf-8"?>
-<ds:datastoreItem xmlns:ds="http://schemas.openxmlformats.org/officeDocument/2006/customXml" ds:itemID="{6466DE5B-C9EE-4962-A7D9-DC605DF63B29}">
+<ds:datastoreItem xmlns:ds="http://schemas.openxmlformats.org/officeDocument/2006/customXml" ds:itemID="{2CAFA615-85C9-4597-A423-DBC36A7566E4}">
   <ds:schemaRefs>
-    <ds:schemaRef ds:uri="http://schemas.microsoft.com/sharepoint/v3/contenttype/forms"/>
+    <ds:schemaRef ds:uri="4b2ee772-610b-4608-83fe-2d971c0d96a3"/>
+    <ds:schemaRef ds:uri="db8ab122-4640-4c34-b39a-82230fff58ad"/>
+    <ds:schemaRef ds:uri="f3a3a796-c958-4844-91fb-5d8351522e3b"/>
+    <ds:schemaRef ds:uri="http://purl.org/dc/dcmitype/"/>
+    <ds:schemaRef ds:uri="http://purl.org/dc/elements/1.1/"/>
+    <ds:schemaRef ds:uri="http://purl.org/dc/terms/"/>
+    <ds:schemaRef ds:uri="http://schemas.microsoft.com/office/2006/documentManagement/types"/>
+    <ds:schemaRef ds:uri="http://schemas.microsoft.com/office/2006/metadata/properties"/>
+    <ds:schemaRef ds:uri="http://schemas.microsoft.com/office/infopath/2007/PartnerControls"/>
+    <ds:schemaRef ds:uri="http://schemas.openxmlformats.org/package/2006/metadata/core-properties"/>
+    <ds:schemaRef ds:uri="http://www.w3.org/XML/1998/namespace"/>
   </ds:schemaRefs>
 </ds:datastoreItem>
 </file>
--- a/AAI3001_Poster.pptx
+++ b/AAI3001_Poster.pptx
@@ -12497,7 +12497,7 @@
         <p:spPr>
           <a:xfrm>
             <a:off x="523978" y="25952504"/>
-            <a:ext cx="20340432" cy="2185214"/>
+            <a:ext cx="20340432" cy="3231654"/>
           </a:xfrm>
           <a:prstGeom prst="rect">
             <a:avLst/>
@@ -12554,6 +12554,27 @@
                 <a:hlinkClick r:id="rId6"/>
               </a:rPr>
               <a:t>https://github.com/ultralytics/ultralytics</a:t>
+            </a:r>
+            <a:endParaRPr lang="en-US" sz="3400" b="1" dirty="0"/>
+          </a:p>
+          <a:p>
+            <a:r>
+              <a:rPr lang="en-US" sz="3400" b="1" dirty="0"/>
+              <a:t>My </a:t>
+            </a:r>
+            <a:r>
+              <a:rPr lang="en-US" sz="3400" b="1" dirty="0" err="1"/>
+              <a:t>github</a:t>
+            </a:r>
+            <a:r>
+              <a:rPr lang="en-US" sz="3400" b="1" dirty="0"/>
+              <a:t>: </a:t>
+            </a:r>
+            <a:r>
+              <a:rPr lang="en-US" sz="3400" b="1" dirty="0">
+                <a:hlinkClick r:id="rId7"/>
+              </a:rPr>
+              <a:t>https://github.com/Cheesercheese/AAI3001---Computer-Vision-and-Deep-Learning-Final-Project</a:t>
             </a:r>
             <a:endParaRPr lang="en-US" sz="3400" b="1" dirty="0"/>
           </a:p>
@@ -13133,12 +13154,16 @@
 </file>
 
 <file path=customXml/item1.xml><?xml version="1.0" encoding="utf-8"?>
-<?mso-contentType ?>
-<FormTemplates xmlns="http://schemas.microsoft.com/sharepoint/v3/contenttype/forms">
-  <Display>DocumentLibraryForm</Display>
-  <Edit>DocumentLibraryForm</Edit>
-  <New>DocumentLibraryForm</New>
-</FormTemplates>
+<p:properties xmlns:p="http://schemas.microsoft.com/office/2006/metadata/properties" xmlns:xsi="http://www.w3.org/2001/XMLSchema-instance" xmlns:pc="http://schemas.microsoft.com/office/infopath/2007/PartnerControls">
+  <documentManagement>
+    <Tag xmlns="db8ab122-4640-4c34-b39a-82230fff58ad" xsi:nil="true"/>
+    <Description0 xmlns="db8ab122-4640-4c34-b39a-82230fff58ad" xsi:nil="true"/>
+    <TaxCatchAll xmlns="4b2ee772-610b-4608-83fe-2d971c0d96a3" xsi:nil="true"/>
+    <lcf76f155ced4ddcb4097134ff3c332f xmlns="db8ab122-4640-4c34-b39a-82230fff58ad">
+      <Terms xmlns="http://schemas.microsoft.com/office/infopath/2007/PartnerControls"/>
+    </lcf76f155ced4ddcb4097134ff3c332f>
+  </documentManagement>
+</p:properties>
 </file>
 
 <file path=customXml/item2.xml><?xml version="1.0" encoding="utf-8"?>
@@ -13392,22 +13417,28 @@
 </file>
 
 <file path=customXml/item3.xml><?xml version="1.0" encoding="utf-8"?>
-<p:properties xmlns:p="http://schemas.microsoft.com/office/2006/metadata/properties" xmlns:xsi="http://www.w3.org/2001/XMLSchema-instance" xmlns:pc="http://schemas.microsoft.com/office/infopath/2007/PartnerControls">
-  <documentManagement>
-    <Tag xmlns="db8ab122-4640-4c34-b39a-82230fff58ad" xsi:nil="true"/>
-    <Description0 xmlns="db8ab122-4640-4c34-b39a-82230fff58ad" xsi:nil="true"/>
-    <TaxCatchAll xmlns="4b2ee772-610b-4608-83fe-2d971c0d96a3" xsi:nil="true"/>
-    <lcf76f155ced4ddcb4097134ff3c332f xmlns="db8ab122-4640-4c34-b39a-82230fff58ad">
-      <Terms xmlns="http://schemas.microsoft.com/office/infopath/2007/PartnerControls"/>
-    </lcf76f155ced4ddcb4097134ff3c332f>
-  </documentManagement>
-</p:properties>
+<?mso-contentType ?>
+<FormTemplates xmlns="http://schemas.microsoft.com/sharepoint/v3/contenttype/forms">
+  <Display>DocumentLibraryForm</Display>
+  <Edit>DocumentLibraryForm</Edit>
+  <New>DocumentLibraryForm</New>
+</FormTemplates>
 </file>
 
 <file path=customXml/itemProps1.xml><?xml version="1.0" encoding="utf-8"?>
-<ds:datastoreItem xmlns:ds="http://schemas.openxmlformats.org/officeDocument/2006/customXml" ds:itemID="{6466DE5B-C9EE-4962-A7D9-DC605DF63B29}">
+<ds:datastoreItem xmlns:ds="http://schemas.openxmlformats.org/officeDocument/2006/customXml" ds:itemID="{2CAFA615-85C9-4597-A423-DBC36A7566E4}">
   <ds:schemaRefs>
-    <ds:schemaRef ds:uri="http://schemas.microsoft.com/sharepoint/v3/contenttype/forms"/>
+    <ds:schemaRef ds:uri="4b2ee772-610b-4608-83fe-2d971c0d96a3"/>
+    <ds:schemaRef ds:uri="db8ab122-4640-4c34-b39a-82230fff58ad"/>
+    <ds:schemaRef ds:uri="f3a3a796-c958-4844-91fb-5d8351522e3b"/>
+    <ds:schemaRef ds:uri="http://purl.org/dc/dcmitype/"/>
+    <ds:schemaRef ds:uri="http://purl.org/dc/elements/1.1/"/>
+    <ds:schemaRef ds:uri="http://purl.org/dc/terms/"/>
+    <ds:schemaRef ds:uri="http://schemas.microsoft.com/office/2006/documentManagement/types"/>
+    <ds:schemaRef ds:uri="http://schemas.microsoft.com/office/2006/metadata/properties"/>
+    <ds:schemaRef ds:uri="http://schemas.microsoft.com/office/infopath/2007/PartnerControls"/>
+    <ds:schemaRef ds:uri="http://schemas.openxmlformats.org/package/2006/metadata/core-properties"/>
+    <ds:schemaRef ds:uri="http://www.w3.org/XML/1998/namespace"/>
   </ds:schemaRefs>
 </ds:datastoreItem>
 </file>
@@ -13433,19 +13464,9 @@
 </file>
 
 <file path=customXml/itemProps3.xml><?xml version="1.0" encoding="utf-8"?>
-<ds:datastoreItem xmlns:ds="http://schemas.openxmlformats.org/officeDocument/2006/customXml" ds:itemID="{2CAFA615-85C9-4597-A423-DBC36A7566E4}">
+<ds:datastoreItem xmlns:ds="http://schemas.openxmlformats.org/officeDocument/2006/customXml" ds:itemID="{6466DE5B-C9EE-4962-A7D9-DC605DF63B29}">
   <ds:schemaRefs>
-    <ds:schemaRef ds:uri="4b2ee772-610b-4608-83fe-2d971c0d96a3"/>
-    <ds:schemaRef ds:uri="db8ab122-4640-4c34-b39a-82230fff58ad"/>
-    <ds:schemaRef ds:uri="f3a3a796-c958-4844-91fb-5d8351522e3b"/>
-    <ds:schemaRef ds:uri="http://purl.org/dc/dcmitype/"/>
-    <ds:schemaRef ds:uri="http://purl.org/dc/elements/1.1/"/>
-    <ds:schemaRef ds:uri="http://purl.org/dc/terms/"/>
-    <ds:schemaRef ds:uri="http://schemas.microsoft.com/office/2006/documentManagement/types"/>
-    <ds:schemaRef ds:uri="http://schemas.microsoft.com/office/2006/metadata/properties"/>
-    <ds:schemaRef ds:uri="http://schemas.microsoft.com/office/infopath/2007/PartnerControls"/>
-    <ds:schemaRef ds:uri="http://schemas.openxmlformats.org/package/2006/metadata/core-properties"/>
-    <ds:schemaRef ds:uri="http://www.w3.org/XML/1998/namespace"/>
+    <ds:schemaRef ds:uri="http://schemas.microsoft.com/sharepoint/v3/contenttype/forms"/>
   </ds:schemaRefs>
 </ds:datastoreItem>
 </file>